--- a/xaringan_stuff/img/r_geocomp_title.pptx
+++ b/xaringan_stuff/img/r_geocomp_title.pptx
@@ -1,12 +1,11 @@
 
 <file path=ppt/presentation.xml><?xml version="1.0" encoding="utf-8"?>
-<p:presentation xmlns:a="http://schemas.openxmlformats.org/drawingml/2006/main" xmlns:r="http://schemas.openxmlformats.org/officeDocument/2006/relationships" xmlns:p="http://schemas.openxmlformats.org/presentationml/2006/main" saveSubsetFonts="1">
+<p:presentation xmlns:a="http://schemas.openxmlformats.org/drawingml/2006/main" xmlns:r="http://schemas.openxmlformats.org/officeDocument/2006/relationships" xmlns:p="http://schemas.openxmlformats.org/presentationml/2006/main" saveSubsetFonts="1" autoCompressPictures="0">
   <p:sldMasterIdLst>
     <p:sldMasterId id="2147483660" r:id="rId1"/>
   </p:sldMasterIdLst>
   <p:sldIdLst>
-    <p:sldId id="258" r:id="rId2"/>
-    <p:sldId id="261" r:id="rId3"/>
+    <p:sldId id="257" r:id="rId2"/>
   </p:sldIdLst>
   <p:sldSz cx="9144000" cy="6858000" type="screen4x3"/>
   <p:notesSz cx="6858000" cy="9144000"/>
@@ -244,7 +243,7 @@
           <a:p>
             <a:fld id="{C6515E37-5E3E-4C69-9ECA-8D6F7AF585EB}" type="datetimeFigureOut">
               <a:rPr lang="de-DE" smtClean="0"/>
-              <a:t>07.05.2018</a:t>
+              <a:t>03.08.2018</a:t>
             </a:fld>
             <a:endParaRPr lang="de-DE"/>
           </a:p>
@@ -414,7 +413,7 @@
           <a:p>
             <a:fld id="{C6515E37-5E3E-4C69-9ECA-8D6F7AF585EB}" type="datetimeFigureOut">
               <a:rPr lang="de-DE" smtClean="0"/>
-              <a:t>07.05.2018</a:t>
+              <a:t>03.08.2018</a:t>
             </a:fld>
             <a:endParaRPr lang="de-DE"/>
           </a:p>
@@ -594,7 +593,7 @@
           <a:p>
             <a:fld id="{C6515E37-5E3E-4C69-9ECA-8D6F7AF585EB}" type="datetimeFigureOut">
               <a:rPr lang="de-DE" smtClean="0"/>
-              <a:t>07.05.2018</a:t>
+              <a:t>03.08.2018</a:t>
             </a:fld>
             <a:endParaRPr lang="de-DE"/>
           </a:p>
@@ -764,7 +763,7 @@
           <a:p>
             <a:fld id="{C6515E37-5E3E-4C69-9ECA-8D6F7AF585EB}" type="datetimeFigureOut">
               <a:rPr lang="de-DE" smtClean="0"/>
-              <a:t>07.05.2018</a:t>
+              <a:t>03.08.2018</a:t>
             </a:fld>
             <a:endParaRPr lang="de-DE"/>
           </a:p>
@@ -1008,7 +1007,7 @@
           <a:p>
             <a:fld id="{C6515E37-5E3E-4C69-9ECA-8D6F7AF585EB}" type="datetimeFigureOut">
               <a:rPr lang="de-DE" smtClean="0"/>
-              <a:t>07.05.2018</a:t>
+              <a:t>03.08.2018</a:t>
             </a:fld>
             <a:endParaRPr lang="de-DE"/>
           </a:p>
@@ -1240,7 +1239,7 @@
           <a:p>
             <a:fld id="{C6515E37-5E3E-4C69-9ECA-8D6F7AF585EB}" type="datetimeFigureOut">
               <a:rPr lang="de-DE" smtClean="0"/>
-              <a:t>07.05.2018</a:t>
+              <a:t>03.08.2018</a:t>
             </a:fld>
             <a:endParaRPr lang="de-DE"/>
           </a:p>
@@ -1607,7 +1606,7 @@
           <a:p>
             <a:fld id="{C6515E37-5E3E-4C69-9ECA-8D6F7AF585EB}" type="datetimeFigureOut">
               <a:rPr lang="de-DE" smtClean="0"/>
-              <a:t>07.05.2018</a:t>
+              <a:t>03.08.2018</a:t>
             </a:fld>
             <a:endParaRPr lang="de-DE"/>
           </a:p>
@@ -1725,7 +1724,7 @@
           <a:p>
             <a:fld id="{C6515E37-5E3E-4C69-9ECA-8D6F7AF585EB}" type="datetimeFigureOut">
               <a:rPr lang="de-DE" smtClean="0"/>
-              <a:t>07.05.2018</a:t>
+              <a:t>03.08.2018</a:t>
             </a:fld>
             <a:endParaRPr lang="de-DE"/>
           </a:p>
@@ -1820,7 +1819,7 @@
           <a:p>
             <a:fld id="{C6515E37-5E3E-4C69-9ECA-8D6F7AF585EB}" type="datetimeFigureOut">
               <a:rPr lang="de-DE" smtClean="0"/>
-              <a:t>07.05.2018</a:t>
+              <a:t>03.08.2018</a:t>
             </a:fld>
             <a:endParaRPr lang="de-DE"/>
           </a:p>
@@ -2097,7 +2096,7 @@
           <a:p>
             <a:fld id="{C6515E37-5E3E-4C69-9ECA-8D6F7AF585EB}" type="datetimeFigureOut">
               <a:rPr lang="de-DE" smtClean="0"/>
-              <a:t>07.05.2018</a:t>
+              <a:t>03.08.2018</a:t>
             </a:fld>
             <a:endParaRPr lang="de-DE"/>
           </a:p>
@@ -2354,7 +2353,7 @@
           <a:p>
             <a:fld id="{C6515E37-5E3E-4C69-9ECA-8D6F7AF585EB}" type="datetimeFigureOut">
               <a:rPr lang="de-DE" smtClean="0"/>
-              <a:t>07.05.2018</a:t>
+              <a:t>03.08.2018</a:t>
             </a:fld>
             <a:endParaRPr lang="de-DE"/>
           </a:p>
@@ -2567,7 +2566,7 @@
           <a:p>
             <a:fld id="{C6515E37-5E3E-4C69-9ECA-8D6F7AF585EB}" type="datetimeFigureOut">
               <a:rPr lang="de-DE" smtClean="0"/>
-              <a:t>07.05.2018</a:t>
+              <a:t>03.08.2018</a:t>
             </a:fld>
             <a:endParaRPr lang="de-DE"/>
           </a:p>
@@ -2972,221 +2971,30 @@
           <a:chExt cx="0" cy="0"/>
         </a:xfrm>
       </p:grpSpPr>
-      <p:grpSp>
-        <p:nvGrpSpPr>
-          <p:cNvPr id="8" name="Gruppieren 7"/>
-          <p:cNvGrpSpPr/>
-          <p:nvPr/>
-        </p:nvGrpSpPr>
-        <p:grpSpPr>
-          <a:xfrm>
-            <a:off x="286602" y="295204"/>
-            <a:ext cx="4940867" cy="1234440"/>
-            <a:chOff x="1035234" y="1546488"/>
-            <a:chExt cx="4940867" cy="1234440"/>
-          </a:xfrm>
-        </p:grpSpPr>
-        <p:pic>
-          <p:nvPicPr>
-            <p:cNvPr id="7" name="Grafik 6"/>
-            <p:cNvPicPr>
-              <a:picLocks noChangeAspect="1"/>
-            </p:cNvPicPr>
-            <p:nvPr/>
-          </p:nvPicPr>
-          <p:blipFill>
-            <a:blip r:embed="rId2">
-              <a:extLst>
-                <a:ext uri="{28A0092B-C50C-407E-A947-70E740481C1C}">
-                  <a14:useLocalDpi xmlns:a14="http://schemas.microsoft.com/office/drawing/2010/main" val="0"/>
-                </a:ext>
-              </a:extLst>
-            </a:blip>
-            <a:stretch>
-              <a:fillRect/>
-            </a:stretch>
-          </p:blipFill>
-          <p:spPr>
-            <a:xfrm>
-              <a:off x="4940968" y="1764443"/>
-              <a:ext cx="1035133" cy="800610"/>
-            </a:xfrm>
-            <a:prstGeom prst="rect">
-              <a:avLst/>
-            </a:prstGeom>
-          </p:spPr>
-        </p:pic>
-        <p:pic>
-          <p:nvPicPr>
-            <p:cNvPr id="3" name="Grafik 2"/>
-            <p:cNvPicPr>
-              <a:picLocks noChangeAspect="1"/>
-            </p:cNvPicPr>
-            <p:nvPr userDrawn="1"/>
-          </p:nvPicPr>
-          <p:blipFill>
-            <a:blip r:embed="rId3" cstate="print">
-              <a:extLst>
-                <a:ext uri="{28A0092B-C50C-407E-A947-70E740481C1C}">
-                  <a14:useLocalDpi xmlns:a14="http://schemas.microsoft.com/office/drawing/2010/main" val="0"/>
-                </a:ext>
-              </a:extLst>
-            </a:blip>
-            <a:stretch>
-              <a:fillRect/>
-            </a:stretch>
-          </p:blipFill>
-          <p:spPr>
-            <a:xfrm>
-              <a:off x="2773952" y="1546488"/>
-              <a:ext cx="1010744" cy="1234440"/>
-            </a:xfrm>
-            <a:prstGeom prst="rect">
-              <a:avLst/>
-            </a:prstGeom>
-          </p:spPr>
-        </p:pic>
-        <p:pic>
-          <p:nvPicPr>
-            <p:cNvPr id="4" name="Grafik 3"/>
-            <p:cNvPicPr>
-              <a:picLocks noChangeAspect="1"/>
-            </p:cNvPicPr>
-            <p:nvPr userDrawn="1"/>
-          </p:nvPicPr>
-          <p:blipFill rotWithShape="1">
-            <a:blip r:embed="rId4" cstate="print">
-              <a:extLst>
-                <a:ext uri="{28A0092B-C50C-407E-A947-70E740481C1C}">
-                  <a14:useLocalDpi xmlns:a14="http://schemas.microsoft.com/office/drawing/2010/main" val="0"/>
-                </a:ext>
-              </a:extLst>
-            </a:blip>
-            <a:srcRect r="43357"/>
-            <a:stretch/>
-          </p:blipFill>
-          <p:spPr>
-            <a:xfrm>
-              <a:off x="3977367" y="1641643"/>
-              <a:ext cx="730786" cy="1044131"/>
-            </a:xfrm>
-            <a:prstGeom prst="rect">
-              <a:avLst/>
-            </a:prstGeom>
-          </p:spPr>
-        </p:pic>
-        <p:pic>
-          <p:nvPicPr>
-            <p:cNvPr id="6" name="Grafik 5"/>
-            <p:cNvPicPr>
-              <a:picLocks noChangeAspect="1"/>
-            </p:cNvPicPr>
-            <p:nvPr userDrawn="1"/>
-          </p:nvPicPr>
-          <p:blipFill rotWithShape="1">
-            <a:blip r:embed="rId5">
-              <a:extLst>
-                <a:ext uri="{28A0092B-C50C-407E-A947-70E740481C1C}">
-                  <a14:useLocalDpi xmlns:a14="http://schemas.microsoft.com/office/drawing/2010/main" val="0"/>
-                </a:ext>
-              </a:extLst>
-            </a:blip>
-            <a:srcRect r="41066"/>
-            <a:stretch/>
-          </p:blipFill>
-          <p:spPr>
-            <a:xfrm>
-              <a:off x="1035234" y="1789852"/>
-              <a:ext cx="1599837" cy="747713"/>
-            </a:xfrm>
-            <a:prstGeom prst="rect">
-              <a:avLst/>
-            </a:prstGeom>
-          </p:spPr>
-        </p:pic>
-      </p:grpSp>
-    </p:spTree>
-    <p:extLst>
-      <p:ext uri="{BB962C8B-B14F-4D97-AF65-F5344CB8AC3E}">
-        <p14:creationId xmlns:p14="http://schemas.microsoft.com/office/powerpoint/2010/main" val="1347786687"/>
-      </p:ext>
-    </p:extLst>
-  </p:cSld>
-  <p:clrMapOvr>
-    <a:masterClrMapping/>
-  </p:clrMapOvr>
-</p:sld>
-</file>
-
-<file path=ppt/slides/slide2.xml><?xml version="1.0" encoding="utf-8"?>
-<p:sld xmlns:a="http://schemas.openxmlformats.org/drawingml/2006/main" xmlns:r="http://schemas.openxmlformats.org/officeDocument/2006/relationships" xmlns:p="http://schemas.openxmlformats.org/presentationml/2006/main">
-  <p:cSld>
-    <p:spTree>
-      <p:nvGrpSpPr>
-        <p:cNvPr id="1" name=""/>
-        <p:cNvGrpSpPr/>
-        <p:nvPr/>
-      </p:nvGrpSpPr>
-      <p:grpSpPr>
-        <a:xfrm>
-          <a:off x="0" y="0"/>
-          <a:ext cx="0" cy="0"/>
-          <a:chOff x="0" y="0"/>
-          <a:chExt cx="0" cy="0"/>
-        </a:xfrm>
-      </p:grpSpPr>
       <p:pic>
         <p:nvPicPr>
-          <p:cNvPr id="8" name="Grafik 7"/>
+          <p:cNvPr id="3" name="Grafik 2"/>
           <p:cNvPicPr>
             <a:picLocks noChangeAspect="1"/>
           </p:cNvPicPr>
           <p:nvPr/>
         </p:nvPicPr>
-        <p:blipFill rotWithShape="1">
-          <a:blip r:embed="rId2" cstate="print">
+        <p:blipFill>
+          <a:blip r:embed="rId2">
             <a:extLst>
               <a:ext uri="{28A0092B-C50C-407E-A947-70E740481C1C}">
                 <a14:useLocalDpi xmlns:a14="http://schemas.microsoft.com/office/drawing/2010/main" val="0"/>
               </a:ext>
             </a:extLst>
           </a:blip>
-          <a:srcRect l="20183" t="14313" r="13248" b="18820"/>
-          <a:stretch/>
+          <a:stretch>
+            <a:fillRect/>
+          </a:stretch>
         </p:blipFill>
         <p:spPr>
           <a:xfrm>
-            <a:off x="7972926" y="70947"/>
-            <a:ext cx="876969" cy="880906"/>
-          </a:xfrm>
-          <a:prstGeom prst="rect">
-            <a:avLst/>
-          </a:prstGeom>
-        </p:spPr>
-      </p:pic>
-      <p:pic>
-        <p:nvPicPr>
-          <p:cNvPr id="4" name="Grafik 3"/>
-          <p:cNvPicPr>
-            <a:picLocks noChangeAspect="1"/>
-          </p:cNvPicPr>
-          <p:nvPr/>
-        </p:nvPicPr>
-        <p:blipFill rotWithShape="1">
-          <a:blip r:embed="rId3">
-            <a:extLst>
-              <a:ext uri="{28A0092B-C50C-407E-A947-70E740481C1C}">
-                <a14:useLocalDpi xmlns:a14="http://schemas.microsoft.com/office/drawing/2010/main" val="0"/>
-              </a:ext>
-            </a:extLst>
-          </a:blip>
-          <a:srcRect t="84224" r="77258"/>
-          <a:stretch/>
-        </p:blipFill>
-        <p:spPr>
-          <a:xfrm>
-            <a:off x="8580956" y="695177"/>
-            <a:ext cx="445401" cy="474514"/>
+            <a:off x="7864645" y="133683"/>
+            <a:ext cx="1143000" cy="1143000"/>
           </a:xfrm>
           <a:prstGeom prst="rect">
             <a:avLst/>
@@ -3196,7 +3004,7 @@
     </p:spTree>
     <p:extLst>
       <p:ext uri="{BB962C8B-B14F-4D97-AF65-F5344CB8AC3E}">
-        <p14:creationId xmlns:p14="http://schemas.microsoft.com/office/powerpoint/2010/main" val="1034910321"/>
+        <p14:creationId xmlns:p14="http://schemas.microsoft.com/office/powerpoint/2010/main" val="3106258978"/>
       </p:ext>
     </p:extLst>
   </p:cSld>
